--- a/presentation-pfr.pptx
+++ b/presentation-pfr.pptx
@@ -209,7 +209,7 @@
           <a:p>
             <a:fld id="{2B381E72-9BFD-43F8-B7DB-927949859FFD}" type="datetimeFigureOut">
               <a:rPr lang="fr-FR" smtClean="0"/>
-              <a:t>22/08/2021</a:t>
+              <a:t>23/08/2021</a:t>
             </a:fld>
             <a:endParaRPr lang="fr-FR"/>
           </a:p>
@@ -1748,7 +1748,7 @@
           <a:p>
             <a:fld id="{3C25B36C-0B32-46C0-B538-782B53C79B59}" type="datetimeFigureOut">
               <a:rPr lang="fr-FR" smtClean="0"/>
-              <a:t>22/08/2021</a:t>
+              <a:t>23/08/2021</a:t>
             </a:fld>
             <a:endParaRPr lang="fr-FR"/>
           </a:p>
@@ -1918,7 +1918,7 @@
           <a:p>
             <a:fld id="{3C25B36C-0B32-46C0-B538-782B53C79B59}" type="datetimeFigureOut">
               <a:rPr lang="fr-FR" smtClean="0"/>
-              <a:t>22/08/2021</a:t>
+              <a:t>23/08/2021</a:t>
             </a:fld>
             <a:endParaRPr lang="fr-FR"/>
           </a:p>
@@ -2098,7 +2098,7 @@
           <a:p>
             <a:fld id="{3C25B36C-0B32-46C0-B538-782B53C79B59}" type="datetimeFigureOut">
               <a:rPr lang="fr-FR" smtClean="0"/>
-              <a:t>22/08/2021</a:t>
+              <a:t>23/08/2021</a:t>
             </a:fld>
             <a:endParaRPr lang="fr-FR"/>
           </a:p>
@@ -2268,7 +2268,7 @@
           <a:p>
             <a:fld id="{3C25B36C-0B32-46C0-B538-782B53C79B59}" type="datetimeFigureOut">
               <a:rPr lang="fr-FR" smtClean="0"/>
-              <a:t>22/08/2021</a:t>
+              <a:t>23/08/2021</a:t>
             </a:fld>
             <a:endParaRPr lang="fr-FR"/>
           </a:p>
@@ -2514,7 +2514,7 @@
           <a:p>
             <a:fld id="{3C25B36C-0B32-46C0-B538-782B53C79B59}" type="datetimeFigureOut">
               <a:rPr lang="fr-FR" smtClean="0"/>
-              <a:t>22/08/2021</a:t>
+              <a:t>23/08/2021</a:t>
             </a:fld>
             <a:endParaRPr lang="fr-FR"/>
           </a:p>
@@ -2746,7 +2746,7 @@
           <a:p>
             <a:fld id="{3C25B36C-0B32-46C0-B538-782B53C79B59}" type="datetimeFigureOut">
               <a:rPr lang="fr-FR" smtClean="0"/>
-              <a:t>22/08/2021</a:t>
+              <a:t>23/08/2021</a:t>
             </a:fld>
             <a:endParaRPr lang="fr-FR"/>
           </a:p>
@@ -3113,7 +3113,7 @@
           <a:p>
             <a:fld id="{3C25B36C-0B32-46C0-B538-782B53C79B59}" type="datetimeFigureOut">
               <a:rPr lang="fr-FR" smtClean="0"/>
-              <a:t>22/08/2021</a:t>
+              <a:t>23/08/2021</a:t>
             </a:fld>
             <a:endParaRPr lang="fr-FR"/>
           </a:p>
@@ -3231,7 +3231,7 @@
           <a:p>
             <a:fld id="{3C25B36C-0B32-46C0-B538-782B53C79B59}" type="datetimeFigureOut">
               <a:rPr lang="fr-FR" smtClean="0"/>
-              <a:t>22/08/2021</a:t>
+              <a:t>23/08/2021</a:t>
             </a:fld>
             <a:endParaRPr lang="fr-FR"/>
           </a:p>
@@ -3326,7 +3326,7 @@
           <a:p>
             <a:fld id="{3C25B36C-0B32-46C0-B538-782B53C79B59}" type="datetimeFigureOut">
               <a:rPr lang="fr-FR" smtClean="0"/>
-              <a:t>22/08/2021</a:t>
+              <a:t>23/08/2021</a:t>
             </a:fld>
             <a:endParaRPr lang="fr-FR"/>
           </a:p>
@@ -3603,7 +3603,7 @@
           <a:p>
             <a:fld id="{3C25B36C-0B32-46C0-B538-782B53C79B59}" type="datetimeFigureOut">
               <a:rPr lang="fr-FR" smtClean="0"/>
-              <a:t>22/08/2021</a:t>
+              <a:t>23/08/2021</a:t>
             </a:fld>
             <a:endParaRPr lang="fr-FR"/>
           </a:p>
@@ -3856,7 +3856,7 @@
           <a:p>
             <a:fld id="{3C25B36C-0B32-46C0-B538-782B53C79B59}" type="datetimeFigureOut">
               <a:rPr lang="fr-FR" smtClean="0"/>
-              <a:t>22/08/2021</a:t>
+              <a:t>23/08/2021</a:t>
             </a:fld>
             <a:endParaRPr lang="fr-FR"/>
           </a:p>
@@ -4069,7 +4069,7 @@
           <a:p>
             <a:fld id="{3C25B36C-0B32-46C0-B538-782B53C79B59}" type="datetimeFigureOut">
               <a:rPr lang="fr-FR" smtClean="0"/>
-              <a:t>22/08/2021</a:t>
+              <a:t>23/08/2021</a:t>
             </a:fld>
             <a:endParaRPr lang="fr-FR"/>
           </a:p>
@@ -5299,6 +5299,88 @@
           </a:p>
         </p:txBody>
       </p:sp>
+      <p:pic>
+        <p:nvPicPr>
+          <p:cNvPr id="1026" name="Picture 2" descr="Conclusion Icon Png #288190 - Free Icons Library"/>
+          <p:cNvPicPr>
+            <a:picLocks noChangeAspect="1" noChangeArrowheads="1"/>
+          </p:cNvPicPr>
+          <p:nvPr/>
+        </p:nvPicPr>
+        <p:blipFill>
+          <a:blip r:embed="rId3">
+            <a:extLst>
+              <a:ext uri="{28A0092B-C50C-407E-A947-70E740481C1C}">
+                <a14:useLocalDpi xmlns:a14="http://schemas.microsoft.com/office/drawing/2010/main" val="0"/>
+              </a:ext>
+            </a:extLst>
+          </a:blip>
+          <a:srcRect/>
+          <a:stretch>
+            <a:fillRect/>
+          </a:stretch>
+        </p:blipFill>
+        <p:spPr bwMode="auto">
+          <a:xfrm>
+            <a:off x="1954557" y="2007705"/>
+            <a:ext cx="3430695" cy="3430695"/>
+          </a:xfrm>
+          <a:prstGeom prst="rect">
+            <a:avLst/>
+          </a:prstGeom>
+          <a:noFill/>
+          <a:extLst>
+            <a:ext uri="{909E8E84-426E-40DD-AFC4-6F175D3DCCD1}">
+              <a14:hiddenFill xmlns:a14="http://schemas.microsoft.com/office/drawing/2010/main">
+                <a:solidFill>
+                  <a:srgbClr val="FFFFFF"/>
+                </a:solidFill>
+              </a14:hiddenFill>
+            </a:ext>
+          </a:extLst>
+        </p:spPr>
+      </p:pic>
+      <p:pic>
+        <p:nvPicPr>
+          <p:cNvPr id="1028" name="Picture 4" descr="Perspective Icons - 1,025 free vector icons"/>
+          <p:cNvPicPr>
+            <a:picLocks noChangeAspect="1" noChangeArrowheads="1"/>
+          </p:cNvPicPr>
+          <p:nvPr/>
+        </p:nvPicPr>
+        <p:blipFill>
+          <a:blip r:embed="rId4">
+            <a:extLst>
+              <a:ext uri="{28A0092B-C50C-407E-A947-70E740481C1C}">
+                <a14:useLocalDpi xmlns:a14="http://schemas.microsoft.com/office/drawing/2010/main" val="0"/>
+              </a:ext>
+            </a:extLst>
+          </a:blip>
+          <a:srcRect/>
+          <a:stretch>
+            <a:fillRect/>
+          </a:stretch>
+        </p:blipFill>
+        <p:spPr bwMode="auto">
+          <a:xfrm>
+            <a:off x="7013574" y="2609730"/>
+            <a:ext cx="2219877" cy="2219879"/>
+          </a:xfrm>
+          <a:prstGeom prst="rect">
+            <a:avLst/>
+          </a:prstGeom>
+          <a:noFill/>
+          <a:extLst>
+            <a:ext uri="{909E8E84-426E-40DD-AFC4-6F175D3DCCD1}">
+              <a14:hiddenFill xmlns:a14="http://schemas.microsoft.com/office/drawing/2010/main">
+                <a:solidFill>
+                  <a:srgbClr val="FFFFFF"/>
+                </a:solidFill>
+              </a14:hiddenFill>
+            </a:ext>
+          </a:extLst>
+        </p:spPr>
+      </p:pic>
     </p:spTree>
     <p:extLst>
       <p:ext uri="{BB962C8B-B14F-4D97-AF65-F5344CB8AC3E}">
@@ -5755,7 +5837,7 @@
               <a:buChar char="Ø"/>
             </a:pPr>
             <a:r>
-              <a:rPr lang="fr-FR" b="1" dirty="0">
+              <a:rPr lang="fr-FR" b="1" u="sng" dirty="0">
                 <a:ln w="0"/>
                 <a:solidFill>
                   <a:srgbClr val="02C67E"/>
@@ -5767,7 +5849,7 @@
               <a:t>Aperçu du site </a:t>
             </a:r>
             <a:r>
-              <a:rPr lang="fr-FR" b="1" dirty="0" smtClean="0">
+              <a:rPr lang="fr-FR" b="1" u="sng" dirty="0" smtClean="0">
                 <a:ln w="0"/>
                 <a:solidFill>
                   <a:srgbClr val="02C67E"/>
@@ -5778,7 +5860,7 @@
               </a:rPr>
               <a:t>Web</a:t>
             </a:r>
-            <a:endParaRPr lang="fr-FR" b="1" dirty="0">
+            <a:endParaRPr lang="fr-FR" b="1" u="sng" dirty="0">
               <a:ln w="0"/>
               <a:solidFill>
                 <a:srgbClr val="02C67E"/>
